--- a/计算机仿真投稿/论文作图/信号流图.pptx
+++ b/计算机仿真投稿/论文作图/信号流图.pptx
@@ -104,6 +104,17 @@
       </a:defRPr>
     </a:lvl9pPr>
   </p:defaultTextStyle>
+  <p:extLst>
+    <p:ext uri="{EFAFB233-063F-42B5-8137-9DF3F51BA10A}">
+      <p15:sldGuideLst xmlns:p15="http://schemas.microsoft.com/office/powerpoint/2012/main">
+        <p15:guide id="1" pos="3840" userDrawn="1">
+          <p15:clr>
+            <a:srgbClr val="A4A3A4"/>
+          </p15:clr>
+        </p15:guide>
+      </p15:sldGuideLst>
+    </p:ext>
+  </p:extLst>
 </p:presentation>
 </file>
 
@@ -238,7 +249,7 @@
           <a:p>
             <a:fld id="{36370457-6E9F-481F-8D71-0653701FFDBC}" type="datetimeFigureOut">
               <a:rPr lang="zh-CN" altLang="en-US" smtClean="0"/>
-              <a:t>2018/3/7 Wednesday</a:t>
+              <a:t>3/21 Wednesday</a:t>
             </a:fld>
             <a:endParaRPr lang="zh-CN" altLang="en-US"/>
           </a:p>
@@ -408,7 +419,7 @@
           <a:p>
             <a:fld id="{36370457-6E9F-481F-8D71-0653701FFDBC}" type="datetimeFigureOut">
               <a:rPr lang="zh-CN" altLang="en-US" smtClean="0"/>
-              <a:t>2018/3/7 Wednesday</a:t>
+              <a:t>3/21 Wednesday</a:t>
             </a:fld>
             <a:endParaRPr lang="zh-CN" altLang="en-US"/>
           </a:p>
@@ -588,7 +599,7 @@
           <a:p>
             <a:fld id="{36370457-6E9F-481F-8D71-0653701FFDBC}" type="datetimeFigureOut">
               <a:rPr lang="zh-CN" altLang="en-US" smtClean="0"/>
-              <a:t>2018/3/7 Wednesday</a:t>
+              <a:t>3/21 Wednesday</a:t>
             </a:fld>
             <a:endParaRPr lang="zh-CN" altLang="en-US"/>
           </a:p>
@@ -758,7 +769,7 @@
           <a:p>
             <a:fld id="{36370457-6E9F-481F-8D71-0653701FFDBC}" type="datetimeFigureOut">
               <a:rPr lang="zh-CN" altLang="en-US" smtClean="0"/>
-              <a:t>2018/3/7 Wednesday</a:t>
+              <a:t>3/21 Wednesday</a:t>
             </a:fld>
             <a:endParaRPr lang="zh-CN" altLang="en-US"/>
           </a:p>
@@ -1004,7 +1015,7 @@
           <a:p>
             <a:fld id="{36370457-6E9F-481F-8D71-0653701FFDBC}" type="datetimeFigureOut">
               <a:rPr lang="zh-CN" altLang="en-US" smtClean="0"/>
-              <a:t>2018/3/7 Wednesday</a:t>
+              <a:t>3/21 Wednesday</a:t>
             </a:fld>
             <a:endParaRPr lang="zh-CN" altLang="en-US"/>
           </a:p>
@@ -1236,7 +1247,7 @@
           <a:p>
             <a:fld id="{36370457-6E9F-481F-8D71-0653701FFDBC}" type="datetimeFigureOut">
               <a:rPr lang="zh-CN" altLang="en-US" smtClean="0"/>
-              <a:t>2018/3/7 Wednesday</a:t>
+              <a:t>3/21 Wednesday</a:t>
             </a:fld>
             <a:endParaRPr lang="zh-CN" altLang="en-US"/>
           </a:p>
@@ -1603,7 +1614,7 @@
           <a:p>
             <a:fld id="{36370457-6E9F-481F-8D71-0653701FFDBC}" type="datetimeFigureOut">
               <a:rPr lang="zh-CN" altLang="en-US" smtClean="0"/>
-              <a:t>2018/3/7 Wednesday</a:t>
+              <a:t>3/21 Wednesday</a:t>
             </a:fld>
             <a:endParaRPr lang="zh-CN" altLang="en-US"/>
           </a:p>
@@ -1721,7 +1732,7 @@
           <a:p>
             <a:fld id="{36370457-6E9F-481F-8D71-0653701FFDBC}" type="datetimeFigureOut">
               <a:rPr lang="zh-CN" altLang="en-US" smtClean="0"/>
-              <a:t>2018/3/7 Wednesday</a:t>
+              <a:t>3/21 Wednesday</a:t>
             </a:fld>
             <a:endParaRPr lang="zh-CN" altLang="en-US"/>
           </a:p>
@@ -1816,7 +1827,7 @@
           <a:p>
             <a:fld id="{36370457-6E9F-481F-8D71-0653701FFDBC}" type="datetimeFigureOut">
               <a:rPr lang="zh-CN" altLang="en-US" smtClean="0"/>
-              <a:t>2018/3/7 Wednesday</a:t>
+              <a:t>3/21 Wednesday</a:t>
             </a:fld>
             <a:endParaRPr lang="zh-CN" altLang="en-US"/>
           </a:p>
@@ -2093,7 +2104,7 @@
           <a:p>
             <a:fld id="{36370457-6E9F-481F-8D71-0653701FFDBC}" type="datetimeFigureOut">
               <a:rPr lang="zh-CN" altLang="en-US" smtClean="0"/>
-              <a:t>2018/3/7 Wednesday</a:t>
+              <a:t>3/21 Wednesday</a:t>
             </a:fld>
             <a:endParaRPr lang="zh-CN" altLang="en-US"/>
           </a:p>
@@ -2346,7 +2357,7 @@
           <a:p>
             <a:fld id="{36370457-6E9F-481F-8D71-0653701FFDBC}" type="datetimeFigureOut">
               <a:rPr lang="zh-CN" altLang="en-US" smtClean="0"/>
-              <a:t>2018/3/7 Wednesday</a:t>
+              <a:t>3/21 Wednesday</a:t>
             </a:fld>
             <a:endParaRPr lang="zh-CN" altLang="en-US"/>
           </a:p>
@@ -2559,7 +2570,7 @@
           <a:p>
             <a:fld id="{36370457-6E9F-481F-8D71-0653701FFDBC}" type="datetimeFigureOut">
               <a:rPr lang="zh-CN" altLang="en-US" smtClean="0"/>
-              <a:t>2018/3/7 Wednesday</a:t>
+              <a:t>3/21 Wednesday</a:t>
             </a:fld>
             <a:endParaRPr lang="zh-CN" altLang="en-US"/>
           </a:p>
@@ -2966,7 +2977,7 @@
       </p:grpSpPr>
       <p:grpSp>
         <p:nvGrpSpPr>
-          <p:cNvPr id="40" name="组合 39"/>
+          <p:cNvPr id="2" name="组合 1"/>
           <p:cNvGrpSpPr/>
           <p:nvPr/>
         </p:nvGrpSpPr>
@@ -2995,7 +3006,7 @@
             <a:solidFill>
               <a:schemeClr val="bg1"/>
             </a:solidFill>
-            <a:ln>
+            <a:ln w="19050">
               <a:solidFill>
                 <a:schemeClr val="tx1"/>
               </a:solidFill>
@@ -3055,7 +3066,7 @@
             <a:solidFill>
               <a:schemeClr val="bg1"/>
             </a:solidFill>
-            <a:ln>
+            <a:ln w="19050">
               <a:solidFill>
                 <a:schemeClr val="tx1"/>
               </a:solidFill>
@@ -3088,7 +3099,7 @@
                     <a:schemeClr val="tx1"/>
                   </a:solidFill>
                 </a:rPr>
-                <a:t>时间延拓</a:t>
+                <a:t>时间扩张</a:t>
               </a:r>
               <a:endParaRPr lang="zh-CN" altLang="en-US" dirty="0">
                 <a:solidFill>
@@ -3115,7 +3126,7 @@
             <a:solidFill>
               <a:schemeClr val="bg1"/>
             </a:solidFill>
-            <a:ln>
+            <a:ln w="19050">
               <a:solidFill>
                 <a:schemeClr val="tx1"/>
               </a:solidFill>
@@ -3275,22 +3286,19 @@
               <a:avLst/>
             </a:prstGeom>
             <a:ln>
-              <a:solidFill>
-                <a:schemeClr val="tx1"/>
-              </a:solidFill>
               <a:headEnd type="none" w="med" len="med"/>
               <a:tailEnd type="triangle" w="med" len="med"/>
             </a:ln>
           </p:spPr>
           <p:style>
-            <a:lnRef idx="1">
-              <a:schemeClr val="accent1"/>
+            <a:lnRef idx="3">
+              <a:schemeClr val="dk1"/>
             </a:lnRef>
             <a:fillRef idx="0">
-              <a:schemeClr val="accent1"/>
+              <a:schemeClr val="dk1"/>
             </a:fillRef>
-            <a:effectRef idx="0">
-              <a:schemeClr val="accent1"/>
+            <a:effectRef idx="2">
+              <a:schemeClr val="dk1"/>
             </a:effectRef>
             <a:fontRef idx="minor">
               <a:schemeClr val="tx1"/>
@@ -3312,22 +3320,19 @@
               <a:avLst/>
             </a:prstGeom>
             <a:ln>
-              <a:solidFill>
-                <a:schemeClr val="tx1"/>
-              </a:solidFill>
               <a:headEnd type="none" w="med" len="med"/>
               <a:tailEnd type="triangle" w="med" len="med"/>
             </a:ln>
           </p:spPr>
           <p:style>
-            <a:lnRef idx="1">
-              <a:schemeClr val="accent1"/>
+            <a:lnRef idx="3">
+              <a:schemeClr val="dk1"/>
             </a:lnRef>
             <a:fillRef idx="0">
-              <a:schemeClr val="accent1"/>
+              <a:schemeClr val="dk1"/>
             </a:fillRef>
-            <a:effectRef idx="0">
-              <a:schemeClr val="accent1"/>
+            <a:effectRef idx="2">
+              <a:schemeClr val="dk1"/>
             </a:effectRef>
             <a:fontRef idx="minor">
               <a:schemeClr val="tx1"/>
@@ -3349,22 +3354,19 @@
               <a:avLst/>
             </a:prstGeom>
             <a:ln>
-              <a:solidFill>
-                <a:schemeClr val="tx1"/>
-              </a:solidFill>
               <a:headEnd type="none" w="med" len="med"/>
               <a:tailEnd type="triangle" w="med" len="med"/>
             </a:ln>
           </p:spPr>
           <p:style>
-            <a:lnRef idx="1">
-              <a:schemeClr val="accent1"/>
+            <a:lnRef idx="3">
+              <a:schemeClr val="dk1"/>
             </a:lnRef>
             <a:fillRef idx="0">
-              <a:schemeClr val="accent1"/>
+              <a:schemeClr val="dk1"/>
             </a:fillRef>
-            <a:effectRef idx="0">
-              <a:schemeClr val="accent1"/>
+            <a:effectRef idx="2">
+              <a:schemeClr val="dk1"/>
             </a:effectRef>
             <a:fontRef idx="minor">
               <a:schemeClr val="tx1"/>
@@ -3388,22 +3390,19 @@
               <a:avLst/>
             </a:prstGeom>
             <a:ln>
-              <a:solidFill>
-                <a:schemeClr val="tx1"/>
-              </a:solidFill>
               <a:headEnd type="triangle" w="med" len="med"/>
               <a:tailEnd type="none" w="med" len="med"/>
             </a:ln>
           </p:spPr>
           <p:style>
-            <a:lnRef idx="1">
-              <a:schemeClr val="accent1"/>
+            <a:lnRef idx="3">
+              <a:schemeClr val="dk1"/>
             </a:lnRef>
             <a:fillRef idx="0">
-              <a:schemeClr val="accent1"/>
+              <a:schemeClr val="dk1"/>
             </a:fillRef>
-            <a:effectRef idx="0">
-              <a:schemeClr val="accent1"/>
+            <a:effectRef idx="2">
+              <a:schemeClr val="dk1"/>
             </a:effectRef>
             <a:fontRef idx="minor">
               <a:schemeClr val="tx1"/>
@@ -3427,22 +3426,19 @@
               <a:avLst/>
             </a:prstGeom>
             <a:ln>
-              <a:solidFill>
-                <a:schemeClr val="tx1"/>
-              </a:solidFill>
               <a:headEnd type="triangle" w="med" len="med"/>
               <a:tailEnd type="none" w="med" len="med"/>
             </a:ln>
           </p:spPr>
           <p:style>
-            <a:lnRef idx="1">
-              <a:schemeClr val="accent1"/>
+            <a:lnRef idx="3">
+              <a:schemeClr val="dk1"/>
             </a:lnRef>
             <a:fillRef idx="0">
-              <a:schemeClr val="accent1"/>
+              <a:schemeClr val="dk1"/>
             </a:fillRef>
-            <a:effectRef idx="0">
-              <a:schemeClr val="accent1"/>
+            <a:effectRef idx="2">
+              <a:schemeClr val="dk1"/>
             </a:effectRef>
             <a:fontRef idx="minor">
               <a:schemeClr val="tx1"/>
@@ -3464,22 +3460,19 @@
               <a:avLst/>
             </a:prstGeom>
             <a:ln>
-              <a:solidFill>
-                <a:schemeClr val="tx1"/>
-              </a:solidFill>
               <a:headEnd type="none" w="med" len="med"/>
               <a:tailEnd type="triangle" w="med" len="med"/>
             </a:ln>
           </p:spPr>
           <p:style>
-            <a:lnRef idx="1">
-              <a:schemeClr val="accent1"/>
+            <a:lnRef idx="3">
+              <a:schemeClr val="dk1"/>
             </a:lnRef>
             <a:fillRef idx="0">
-              <a:schemeClr val="accent1"/>
+              <a:schemeClr val="dk1"/>
             </a:fillRef>
-            <a:effectRef idx="0">
-              <a:schemeClr val="accent1"/>
+            <a:effectRef idx="2">
+              <a:schemeClr val="dk1"/>
             </a:effectRef>
             <a:fontRef idx="minor">
               <a:schemeClr val="tx1"/>
@@ -3503,22 +3496,19 @@
               <a:avLst/>
             </a:prstGeom>
             <a:ln>
-              <a:solidFill>
-                <a:schemeClr val="tx1"/>
-              </a:solidFill>
               <a:headEnd type="none" w="med" len="med"/>
               <a:tailEnd type="triangle" w="med" len="med"/>
             </a:ln>
           </p:spPr>
           <p:style>
-            <a:lnRef idx="1">
-              <a:schemeClr val="accent1"/>
+            <a:lnRef idx="3">
+              <a:schemeClr val="dk1"/>
             </a:lnRef>
             <a:fillRef idx="0">
-              <a:schemeClr val="accent1"/>
+              <a:schemeClr val="dk1"/>
             </a:fillRef>
-            <a:effectRef idx="0">
-              <a:schemeClr val="accent1"/>
+            <a:effectRef idx="2">
+              <a:schemeClr val="dk1"/>
             </a:effectRef>
             <a:fontRef idx="minor">
               <a:schemeClr val="tx1"/>
@@ -3593,22 +3583,19 @@
               </a:avLst>
             </a:prstGeom>
             <a:ln>
-              <a:solidFill>
-                <a:schemeClr val="tx1"/>
-              </a:solidFill>
               <a:headEnd type="none" w="med" len="med"/>
               <a:tailEnd type="triangle" w="med" len="med"/>
             </a:ln>
           </p:spPr>
           <p:style>
-            <a:lnRef idx="1">
-              <a:schemeClr val="accent1"/>
+            <a:lnRef idx="3">
+              <a:schemeClr val="dk1"/>
             </a:lnRef>
             <a:fillRef idx="0">
-              <a:schemeClr val="accent1"/>
+              <a:schemeClr val="dk1"/>
             </a:fillRef>
-            <a:effectRef idx="0">
-              <a:schemeClr val="accent1"/>
+            <a:effectRef idx="2">
+              <a:schemeClr val="dk1"/>
             </a:effectRef>
             <a:fontRef idx="minor">
               <a:schemeClr val="tx1"/>
@@ -3632,30 +3619,27 @@
               <a:avLst/>
             </a:prstGeom>
             <a:ln>
-              <a:solidFill>
-                <a:schemeClr val="tx1"/>
-              </a:solidFill>
               <a:headEnd type="none" w="med" len="med"/>
               <a:tailEnd type="triangle" w="med" len="med"/>
             </a:ln>
           </p:spPr>
           <p:style>
-            <a:lnRef idx="1">
-              <a:schemeClr val="accent1"/>
+            <a:lnRef idx="3">
+              <a:schemeClr val="dk1"/>
             </a:lnRef>
             <a:fillRef idx="0">
-              <a:schemeClr val="accent1"/>
+              <a:schemeClr val="dk1"/>
             </a:fillRef>
-            <a:effectRef idx="0">
-              <a:schemeClr val="accent1"/>
+            <a:effectRef idx="2">
+              <a:schemeClr val="dk1"/>
             </a:effectRef>
             <a:fontRef idx="minor">
               <a:schemeClr val="tx1"/>
             </a:fontRef>
           </p:style>
         </p:cxnSp>
-        <mc:AlternateContent xmlns:mc="http://schemas.openxmlformats.org/markup-compatibility/2006">
-          <mc:Choice xmlns:a14="http://schemas.microsoft.com/office/drawing/2010/main" Requires="a14">
+        <mc:AlternateContent xmlns:mc="http://schemas.openxmlformats.org/markup-compatibility/2006" xmlns:a14="http://schemas.microsoft.com/office/drawing/2010/main">
+          <mc:Choice Requires="a14">
             <p:sp>
               <p:nvSpPr>
                 <p:cNvPr id="30" name="文本框 29"/>
@@ -3678,6 +3662,7 @@
                 </a:bodyPr>
                 <a:lstStyle/>
                 <a:p>
+                  <a:pPr/>
                   <a14:m>
                     <m:oMathPara xmlns:m="http://schemas.openxmlformats.org/officeDocument/2006/math">
                       <m:oMathParaPr>
@@ -3721,7 +3706,7 @@
               </p:txBody>
             </p:sp>
           </mc:Choice>
-          <mc:Fallback>
+          <mc:Fallback xmlns="">
             <p:sp>
               <p:nvSpPr>
                 <p:cNvPr id="30" name="文本框 29"/>
@@ -3760,8 +3745,8 @@
             </p:sp>
           </mc:Fallback>
         </mc:AlternateContent>
-        <mc:AlternateContent xmlns:mc="http://schemas.openxmlformats.org/markup-compatibility/2006">
-          <mc:Choice xmlns:a14="http://schemas.microsoft.com/office/drawing/2010/main" Requires="a14">
+        <mc:AlternateContent xmlns:mc="http://schemas.openxmlformats.org/markup-compatibility/2006" xmlns:a14="http://schemas.microsoft.com/office/drawing/2010/main">
+          <mc:Choice Requires="a14">
             <p:sp>
               <p:nvSpPr>
                 <p:cNvPr id="31" name="文本框 30"/>
@@ -3784,6 +3769,7 @@
                 </a:bodyPr>
                 <a:lstStyle/>
                 <a:p>
+                  <a:pPr/>
                   <a14:m>
                     <m:oMathPara xmlns:m="http://schemas.openxmlformats.org/officeDocument/2006/math">
                       <m:oMathParaPr>
@@ -3841,7 +3827,7 @@
               </p:txBody>
             </p:sp>
           </mc:Choice>
-          <mc:Fallback>
+          <mc:Fallback xmlns="">
             <p:sp>
               <p:nvSpPr>
                 <p:cNvPr id="31" name="文本框 30"/>
@@ -3880,8 +3866,8 @@
             </p:sp>
           </mc:Fallback>
         </mc:AlternateContent>
-        <mc:AlternateContent xmlns:mc="http://schemas.openxmlformats.org/markup-compatibility/2006">
-          <mc:Choice xmlns:a14="http://schemas.microsoft.com/office/drawing/2010/main" Requires="a14">
+        <mc:AlternateContent xmlns:mc="http://schemas.openxmlformats.org/markup-compatibility/2006" xmlns:a14="http://schemas.microsoft.com/office/drawing/2010/main">
+          <mc:Choice Requires="a14">
             <p:sp>
               <p:nvSpPr>
                 <p:cNvPr id="32" name="文本框 31"/>
@@ -3904,6 +3890,7 @@
                 </a:bodyPr>
                 <a:lstStyle/>
                 <a:p>
+                  <a:pPr/>
                   <a14:m>
                     <m:oMathPara xmlns:m="http://schemas.openxmlformats.org/officeDocument/2006/math">
                       <m:oMathParaPr>
@@ -3961,7 +3948,7 @@
               </p:txBody>
             </p:sp>
           </mc:Choice>
-          <mc:Fallback>
+          <mc:Fallback xmlns="">
             <p:sp>
               <p:nvSpPr>
                 <p:cNvPr id="32" name="文本框 31"/>
@@ -4000,8 +3987,8 @@
             </p:sp>
           </mc:Fallback>
         </mc:AlternateContent>
-        <mc:AlternateContent xmlns:mc="http://schemas.openxmlformats.org/markup-compatibility/2006">
-          <mc:Choice xmlns:a14="http://schemas.microsoft.com/office/drawing/2010/main" Requires="a14">
+        <mc:AlternateContent xmlns:mc="http://schemas.openxmlformats.org/markup-compatibility/2006" xmlns:a14="http://schemas.microsoft.com/office/drawing/2010/main">
+          <mc:Choice Requires="a14">
             <p:sp>
               <p:nvSpPr>
                 <p:cNvPr id="33" name="文本框 32"/>
@@ -4024,6 +4011,7 @@
                 </a:bodyPr>
                 <a:lstStyle/>
                 <a:p>
+                  <a:pPr/>
                   <a14:m>
                     <m:oMathPara xmlns:m="http://schemas.openxmlformats.org/officeDocument/2006/math">
                       <m:oMathParaPr>
@@ -4067,7 +4055,7 @@
               </p:txBody>
             </p:sp>
           </mc:Choice>
-          <mc:Fallback>
+          <mc:Fallback xmlns="">
             <p:sp>
               <p:nvSpPr>
                 <p:cNvPr id="33" name="文本框 32"/>
@@ -4106,8 +4094,8 @@
             </p:sp>
           </mc:Fallback>
         </mc:AlternateContent>
-        <mc:AlternateContent xmlns:mc="http://schemas.openxmlformats.org/markup-compatibility/2006">
-          <mc:Choice xmlns:a14="http://schemas.microsoft.com/office/drawing/2010/main" Requires="a14">
+        <mc:AlternateContent xmlns:mc="http://schemas.openxmlformats.org/markup-compatibility/2006" xmlns:a14="http://schemas.microsoft.com/office/drawing/2010/main">
+          <mc:Choice Requires="a14">
             <p:sp>
               <p:nvSpPr>
                 <p:cNvPr id="34" name="文本框 33"/>
@@ -4130,6 +4118,7 @@
                 </a:bodyPr>
                 <a:lstStyle/>
                 <a:p>
+                  <a:pPr/>
                   <a14:m>
                     <m:oMathPara xmlns:m="http://schemas.openxmlformats.org/officeDocument/2006/math">
                       <m:oMathParaPr>
@@ -4169,7 +4158,7 @@
               </p:txBody>
             </p:sp>
           </mc:Choice>
-          <mc:Fallback>
+          <mc:Fallback xmlns="">
             <p:sp>
               <p:nvSpPr>
                 <p:cNvPr id="34" name="文本框 33"/>
@@ -4208,8 +4197,8 @@
             </p:sp>
           </mc:Fallback>
         </mc:AlternateContent>
-        <mc:AlternateContent xmlns:mc="http://schemas.openxmlformats.org/markup-compatibility/2006">
-          <mc:Choice xmlns:a14="http://schemas.microsoft.com/office/drawing/2010/main" Requires="a14">
+        <mc:AlternateContent xmlns:mc="http://schemas.openxmlformats.org/markup-compatibility/2006" xmlns:a14="http://schemas.microsoft.com/office/drawing/2010/main">
+          <mc:Choice Requires="a14">
             <p:sp>
               <p:nvSpPr>
                 <p:cNvPr id="36" name="矩形 35"/>
@@ -4231,6 +4220,7 @@
                 </a:bodyPr>
                 <a:lstStyle/>
                 <a:p>
+                  <a:pPr/>
                   <a14:m>
                     <m:oMathPara xmlns:m="http://schemas.openxmlformats.org/officeDocument/2006/math">
                       <m:oMathParaPr>
@@ -4255,7 +4245,7 @@
               </p:txBody>
             </p:sp>
           </mc:Choice>
-          <mc:Fallback>
+          <mc:Fallback xmlns="">
             <p:sp>
               <p:nvSpPr>
                 <p:cNvPr id="36" name="矩形 35"/>
@@ -4294,8 +4284,8 @@
             </p:sp>
           </mc:Fallback>
         </mc:AlternateContent>
-        <mc:AlternateContent xmlns:mc="http://schemas.openxmlformats.org/markup-compatibility/2006">
-          <mc:Choice xmlns:a14="http://schemas.microsoft.com/office/drawing/2010/main" Requires="a14">
+        <mc:AlternateContent xmlns:mc="http://schemas.openxmlformats.org/markup-compatibility/2006" xmlns:a14="http://schemas.microsoft.com/office/drawing/2010/main">
+          <mc:Choice Requires="a14">
             <p:sp>
               <p:nvSpPr>
                 <p:cNvPr id="37" name="矩形 36"/>
@@ -4317,6 +4307,7 @@
                 </a:bodyPr>
                 <a:lstStyle/>
                 <a:p>
+                  <a:pPr/>
                   <a14:m>
                     <m:oMathPara xmlns:m="http://schemas.openxmlformats.org/officeDocument/2006/math">
                       <m:oMathParaPr>
@@ -4337,7 +4328,7 @@
               </p:txBody>
             </p:sp>
           </mc:Choice>
-          <mc:Fallback>
+          <mc:Fallback xmlns="">
             <p:sp>
               <p:nvSpPr>
                 <p:cNvPr id="37" name="矩形 36"/>
@@ -4376,8 +4367,8 @@
             </p:sp>
           </mc:Fallback>
         </mc:AlternateContent>
-        <mc:AlternateContent xmlns:mc="http://schemas.openxmlformats.org/markup-compatibility/2006">
-          <mc:Choice xmlns:a14="http://schemas.microsoft.com/office/drawing/2010/main" Requires="a14">
+        <mc:AlternateContent xmlns:mc="http://schemas.openxmlformats.org/markup-compatibility/2006" xmlns:a14="http://schemas.microsoft.com/office/drawing/2010/main">
+          <mc:Choice Requires="a14">
             <p:sp>
               <p:nvSpPr>
                 <p:cNvPr id="38" name="矩形 37"/>
@@ -4399,6 +4390,7 @@
                 </a:bodyPr>
                 <a:lstStyle/>
                 <a:p>
+                  <a:pPr/>
                   <a14:m>
                     <m:oMathPara xmlns:m="http://schemas.openxmlformats.org/officeDocument/2006/math">
                       <m:oMathParaPr>
@@ -4419,7 +4411,7 @@
               </p:txBody>
             </p:sp>
           </mc:Choice>
-          <mc:Fallback>
+          <mc:Fallback xmlns="">
             <p:sp>
               <p:nvSpPr>
                 <p:cNvPr id="38" name="矩形 37"/>
@@ -4458,8 +4450,8 @@
             </p:sp>
           </mc:Fallback>
         </mc:AlternateContent>
-        <mc:AlternateContent xmlns:mc="http://schemas.openxmlformats.org/markup-compatibility/2006">
-          <mc:Choice xmlns:a14="http://schemas.microsoft.com/office/drawing/2010/main" Requires="a14">
+        <mc:AlternateContent xmlns:mc="http://schemas.openxmlformats.org/markup-compatibility/2006" xmlns:a14="http://schemas.microsoft.com/office/drawing/2010/main">
+          <mc:Choice Requires="a14">
             <p:sp>
               <p:nvSpPr>
                 <p:cNvPr id="39" name="矩形 38"/>
@@ -4481,6 +4473,7 @@
                 </a:bodyPr>
                 <a:lstStyle/>
                 <a:p>
+                  <a:pPr/>
                   <a14:m>
                     <m:oMathPara xmlns:m="http://schemas.openxmlformats.org/officeDocument/2006/math">
                       <m:oMathParaPr>
@@ -4501,7 +4494,7 @@
               </p:txBody>
             </p:sp>
           </mc:Choice>
-          <mc:Fallback>
+          <mc:Fallback xmlns="">
             <p:sp>
               <p:nvSpPr>
                 <p:cNvPr id="39" name="矩形 38"/>

--- a/计算机仿真投稿/论文作图/信号流图.pptx
+++ b/计算机仿真投稿/论文作图/信号流图.pptx
@@ -112,6 +112,11 @@
             <a:srgbClr val="A4A3A4"/>
           </p15:clr>
         </p15:guide>
+        <p15:guide id="2" orient="horz" pos="2160">
+          <p15:clr>
+            <a:srgbClr val="A4A3A4"/>
+          </p15:clr>
+        </p15:guide>
       </p15:sldGuideLst>
     </p:ext>
   </p:extLst>
@@ -249,7 +254,7 @@
           <a:p>
             <a:fld id="{36370457-6E9F-481F-8D71-0653701FFDBC}" type="datetimeFigureOut">
               <a:rPr lang="zh-CN" altLang="en-US" smtClean="0"/>
-              <a:t>3/21 Wednesday</a:t>
+              <a:t>2018/3/26 Monday</a:t>
             </a:fld>
             <a:endParaRPr lang="zh-CN" altLang="en-US"/>
           </a:p>
@@ -419,7 +424,7 @@
           <a:p>
             <a:fld id="{36370457-6E9F-481F-8D71-0653701FFDBC}" type="datetimeFigureOut">
               <a:rPr lang="zh-CN" altLang="en-US" smtClean="0"/>
-              <a:t>3/21 Wednesday</a:t>
+              <a:t>2018/3/26 Monday</a:t>
             </a:fld>
             <a:endParaRPr lang="zh-CN" altLang="en-US"/>
           </a:p>
@@ -599,7 +604,7 @@
           <a:p>
             <a:fld id="{36370457-6E9F-481F-8D71-0653701FFDBC}" type="datetimeFigureOut">
               <a:rPr lang="zh-CN" altLang="en-US" smtClean="0"/>
-              <a:t>3/21 Wednesday</a:t>
+              <a:t>2018/3/26 Monday</a:t>
             </a:fld>
             <a:endParaRPr lang="zh-CN" altLang="en-US"/>
           </a:p>
@@ -769,7 +774,7 @@
           <a:p>
             <a:fld id="{36370457-6E9F-481F-8D71-0653701FFDBC}" type="datetimeFigureOut">
               <a:rPr lang="zh-CN" altLang="en-US" smtClean="0"/>
-              <a:t>3/21 Wednesday</a:t>
+              <a:t>2018/3/26 Monday</a:t>
             </a:fld>
             <a:endParaRPr lang="zh-CN" altLang="en-US"/>
           </a:p>
@@ -1015,7 +1020,7 @@
           <a:p>
             <a:fld id="{36370457-6E9F-481F-8D71-0653701FFDBC}" type="datetimeFigureOut">
               <a:rPr lang="zh-CN" altLang="en-US" smtClean="0"/>
-              <a:t>3/21 Wednesday</a:t>
+              <a:t>2018/3/26 Monday</a:t>
             </a:fld>
             <a:endParaRPr lang="zh-CN" altLang="en-US"/>
           </a:p>
@@ -1247,7 +1252,7 @@
           <a:p>
             <a:fld id="{36370457-6E9F-481F-8D71-0653701FFDBC}" type="datetimeFigureOut">
               <a:rPr lang="zh-CN" altLang="en-US" smtClean="0"/>
-              <a:t>3/21 Wednesday</a:t>
+              <a:t>2018/3/26 Monday</a:t>
             </a:fld>
             <a:endParaRPr lang="zh-CN" altLang="en-US"/>
           </a:p>
@@ -1614,7 +1619,7 @@
           <a:p>
             <a:fld id="{36370457-6E9F-481F-8D71-0653701FFDBC}" type="datetimeFigureOut">
               <a:rPr lang="zh-CN" altLang="en-US" smtClean="0"/>
-              <a:t>3/21 Wednesday</a:t>
+              <a:t>2018/3/26 Monday</a:t>
             </a:fld>
             <a:endParaRPr lang="zh-CN" altLang="en-US"/>
           </a:p>
@@ -1732,7 +1737,7 @@
           <a:p>
             <a:fld id="{36370457-6E9F-481F-8D71-0653701FFDBC}" type="datetimeFigureOut">
               <a:rPr lang="zh-CN" altLang="en-US" smtClean="0"/>
-              <a:t>3/21 Wednesday</a:t>
+              <a:t>2018/3/26 Monday</a:t>
             </a:fld>
             <a:endParaRPr lang="zh-CN" altLang="en-US"/>
           </a:p>
@@ -1827,7 +1832,7 @@
           <a:p>
             <a:fld id="{36370457-6E9F-481F-8D71-0653701FFDBC}" type="datetimeFigureOut">
               <a:rPr lang="zh-CN" altLang="en-US" smtClean="0"/>
-              <a:t>3/21 Wednesday</a:t>
+              <a:t>2018/3/26 Monday</a:t>
             </a:fld>
             <a:endParaRPr lang="zh-CN" altLang="en-US"/>
           </a:p>
@@ -2104,7 +2109,7 @@
           <a:p>
             <a:fld id="{36370457-6E9F-481F-8D71-0653701FFDBC}" type="datetimeFigureOut">
               <a:rPr lang="zh-CN" altLang="en-US" smtClean="0"/>
-              <a:t>3/21 Wednesday</a:t>
+              <a:t>2018/3/26 Monday</a:t>
             </a:fld>
             <a:endParaRPr lang="zh-CN" altLang="en-US"/>
           </a:p>
@@ -2357,7 +2362,7 @@
           <a:p>
             <a:fld id="{36370457-6E9F-481F-8D71-0653701FFDBC}" type="datetimeFigureOut">
               <a:rPr lang="zh-CN" altLang="en-US" smtClean="0"/>
-              <a:t>3/21 Wednesday</a:t>
+              <a:t>2018/3/26 Monday</a:t>
             </a:fld>
             <a:endParaRPr lang="zh-CN" altLang="en-US"/>
           </a:p>
@@ -2570,7 +2575,7 @@
           <a:p>
             <a:fld id="{36370457-6E9F-481F-8D71-0653701FFDBC}" type="datetimeFigureOut">
               <a:rPr lang="zh-CN" altLang="en-US" smtClean="0"/>
-              <a:t>3/21 Wednesday</a:t>
+              <a:t>2018/3/26 Monday</a:t>
             </a:fld>
             <a:endParaRPr lang="zh-CN" altLang="en-US"/>
           </a:p>
@@ -2977,18 +2982,177 @@
       </p:grpSpPr>
       <p:grpSp>
         <p:nvGrpSpPr>
-          <p:cNvPr id="2" name="组合 1"/>
+          <p:cNvPr id="69" name="组合 68"/>
           <p:cNvGrpSpPr/>
           <p:nvPr/>
         </p:nvGrpSpPr>
         <p:grpSpPr>
           <a:xfrm>
-            <a:off x="1882308" y="1368920"/>
-            <a:ext cx="8109069" cy="2391271"/>
-            <a:chOff x="1882308" y="1368920"/>
-            <a:chExt cx="8109069" cy="2391271"/>
+            <a:off x="1882308" y="1490527"/>
+            <a:ext cx="8176537" cy="2379877"/>
+            <a:chOff x="1882308" y="1490527"/>
+            <a:chExt cx="8176537" cy="2379877"/>
           </a:xfrm>
         </p:grpSpPr>
+        <p:sp>
+          <p:nvSpPr>
+            <p:cNvPr id="42" name="矩形 41"/>
+            <p:cNvSpPr/>
+            <p:nvPr/>
+          </p:nvSpPr>
+          <p:spPr>
+            <a:xfrm>
+              <a:off x="8350755" y="2303702"/>
+              <a:ext cx="1117455" cy="780873"/>
+            </a:xfrm>
+            <a:prstGeom prst="rect">
+              <a:avLst/>
+            </a:prstGeom>
+            <a:solidFill>
+              <a:schemeClr val="bg1"/>
+            </a:solidFill>
+            <a:ln w="19050">
+              <a:solidFill>
+                <a:schemeClr val="tx1"/>
+              </a:solidFill>
+            </a:ln>
+          </p:spPr>
+          <p:style>
+            <a:lnRef idx="2">
+              <a:schemeClr val="accent1">
+                <a:shade val="50000"/>
+              </a:schemeClr>
+            </a:lnRef>
+            <a:fillRef idx="1">
+              <a:schemeClr val="accent1"/>
+            </a:fillRef>
+            <a:effectRef idx="0">
+              <a:schemeClr val="accent1"/>
+            </a:effectRef>
+            <a:fontRef idx="minor">
+              <a:schemeClr val="lt1"/>
+            </a:fontRef>
+          </p:style>
+          <p:txBody>
+            <a:bodyPr rot="0" spcFirstLastPara="0" vert="horz" wrap="square" lIns="91440" tIns="45720" rIns="91440" bIns="45720" numCol="1" spcCol="0" rtlCol="0" fromWordArt="0" anchor="ctr" anchorCtr="0" forceAA="0" compatLnSpc="1">
+              <a:prstTxWarp prst="textNoShape">
+                <a:avLst/>
+              </a:prstTxWarp>
+              <a:noAutofit/>
+            </a:bodyPr>
+            <a:lstStyle>
+              <a:defPPr>
+                <a:defRPr lang="zh-CN"/>
+              </a:defPPr>
+              <a:lvl1pPr marL="0" algn="l" defTabSz="914400" rtl="0" eaLnBrk="1" latinLnBrk="0" hangingPunct="1">
+                <a:defRPr sz="1800" kern="1200">
+                  <a:solidFill>
+                    <a:schemeClr val="lt1"/>
+                  </a:solidFill>
+                  <a:latin typeface="+mn-lt"/>
+                  <a:ea typeface="+mn-ea"/>
+                  <a:cs typeface="+mn-cs"/>
+                </a:defRPr>
+              </a:lvl1pPr>
+              <a:lvl2pPr marL="457200" algn="l" defTabSz="914400" rtl="0" eaLnBrk="1" latinLnBrk="0" hangingPunct="1">
+                <a:defRPr sz="1800" kern="1200">
+                  <a:solidFill>
+                    <a:schemeClr val="lt1"/>
+                  </a:solidFill>
+                  <a:latin typeface="+mn-lt"/>
+                  <a:ea typeface="+mn-ea"/>
+                  <a:cs typeface="+mn-cs"/>
+                </a:defRPr>
+              </a:lvl2pPr>
+              <a:lvl3pPr marL="914400" algn="l" defTabSz="914400" rtl="0" eaLnBrk="1" latinLnBrk="0" hangingPunct="1">
+                <a:defRPr sz="1800" kern="1200">
+                  <a:solidFill>
+                    <a:schemeClr val="lt1"/>
+                  </a:solidFill>
+                  <a:latin typeface="+mn-lt"/>
+                  <a:ea typeface="+mn-ea"/>
+                  <a:cs typeface="+mn-cs"/>
+                </a:defRPr>
+              </a:lvl3pPr>
+              <a:lvl4pPr marL="1371600" algn="l" defTabSz="914400" rtl="0" eaLnBrk="1" latinLnBrk="0" hangingPunct="1">
+                <a:defRPr sz="1800" kern="1200">
+                  <a:solidFill>
+                    <a:schemeClr val="lt1"/>
+                  </a:solidFill>
+                  <a:latin typeface="+mn-lt"/>
+                  <a:ea typeface="+mn-ea"/>
+                  <a:cs typeface="+mn-cs"/>
+                </a:defRPr>
+              </a:lvl4pPr>
+              <a:lvl5pPr marL="1828800" algn="l" defTabSz="914400" rtl="0" eaLnBrk="1" latinLnBrk="0" hangingPunct="1">
+                <a:defRPr sz="1800" kern="1200">
+                  <a:solidFill>
+                    <a:schemeClr val="lt1"/>
+                  </a:solidFill>
+                  <a:latin typeface="+mn-lt"/>
+                  <a:ea typeface="+mn-ea"/>
+                  <a:cs typeface="+mn-cs"/>
+                </a:defRPr>
+              </a:lvl5pPr>
+              <a:lvl6pPr marL="2286000" algn="l" defTabSz="914400" rtl="0" eaLnBrk="1" latinLnBrk="0" hangingPunct="1">
+                <a:defRPr sz="1800" kern="1200">
+                  <a:solidFill>
+                    <a:schemeClr val="lt1"/>
+                  </a:solidFill>
+                  <a:latin typeface="+mn-lt"/>
+                  <a:ea typeface="+mn-ea"/>
+                  <a:cs typeface="+mn-cs"/>
+                </a:defRPr>
+              </a:lvl6pPr>
+              <a:lvl7pPr marL="2743200" algn="l" defTabSz="914400" rtl="0" eaLnBrk="1" latinLnBrk="0" hangingPunct="1">
+                <a:defRPr sz="1800" kern="1200">
+                  <a:solidFill>
+                    <a:schemeClr val="lt1"/>
+                  </a:solidFill>
+                  <a:latin typeface="+mn-lt"/>
+                  <a:ea typeface="+mn-ea"/>
+                  <a:cs typeface="+mn-cs"/>
+                </a:defRPr>
+              </a:lvl7pPr>
+              <a:lvl8pPr marL="3200400" algn="l" defTabSz="914400" rtl="0" eaLnBrk="1" latinLnBrk="0" hangingPunct="1">
+                <a:defRPr sz="1800" kern="1200">
+                  <a:solidFill>
+                    <a:schemeClr val="lt1"/>
+                  </a:solidFill>
+                  <a:latin typeface="+mn-lt"/>
+                  <a:ea typeface="+mn-ea"/>
+                  <a:cs typeface="+mn-cs"/>
+                </a:defRPr>
+              </a:lvl8pPr>
+              <a:lvl9pPr marL="3657600" algn="l" defTabSz="914400" rtl="0" eaLnBrk="1" latinLnBrk="0" hangingPunct="1">
+                <a:defRPr sz="1800" kern="1200">
+                  <a:solidFill>
+                    <a:schemeClr val="lt1"/>
+                  </a:solidFill>
+                  <a:latin typeface="+mn-lt"/>
+                  <a:ea typeface="+mn-ea"/>
+                  <a:cs typeface="+mn-cs"/>
+                </a:defRPr>
+              </a:lvl9pPr>
+            </a:lstStyle>
+            <a:p>
+              <a:pPr algn="ctr"/>
+              <a:r>
+                <a:rPr lang="zh-CN" altLang="en-US" dirty="0" smtClean="0">
+                  <a:solidFill>
+                    <a:schemeClr val="tx1"/>
+                  </a:solidFill>
+                </a:rPr>
+                <a:t>信号重构</a:t>
+              </a:r>
+              <a:endParaRPr lang="zh-CN" altLang="en-US" dirty="0">
+                <a:solidFill>
+                  <a:schemeClr val="tx1"/>
+                </a:solidFill>
+              </a:endParaRPr>
+            </a:p>
+          </p:txBody>
+        </p:sp>
         <p:sp>
           <p:nvSpPr>
             <p:cNvPr id="4" name="矩形 3"/>
@@ -2997,8 +3161,8 @@
           </p:nvSpPr>
           <p:spPr>
             <a:xfrm>
-              <a:off x="2487168" y="2182368"/>
-              <a:ext cx="1365504" cy="902208"/>
+              <a:off x="2487168" y="2303702"/>
+              <a:ext cx="1117455" cy="780873"/>
             </a:xfrm>
             <a:prstGeom prst="rect">
               <a:avLst/>
@@ -3057,8 +3221,8 @@
           </p:nvSpPr>
           <p:spPr>
             <a:xfrm>
-              <a:off x="4809744" y="2182368"/>
-              <a:ext cx="1365504" cy="902208"/>
+              <a:off x="4441697" y="2303702"/>
+              <a:ext cx="1117455" cy="780873"/>
             </a:xfrm>
             <a:prstGeom prst="rect">
               <a:avLst/>
@@ -3117,8 +3281,8 @@
           </p:nvSpPr>
           <p:spPr>
             <a:xfrm>
-              <a:off x="7132320" y="2182368"/>
-              <a:ext cx="1365504" cy="902208"/>
+              <a:off x="6396226" y="2303702"/>
+              <a:ext cx="1117455" cy="780873"/>
             </a:xfrm>
             <a:prstGeom prst="rect">
               <a:avLst/>
@@ -3270,51 +3434,14 @@
         </p:sp>
         <p:cxnSp>
           <p:nvCxnSpPr>
-            <p:cNvPr id="8" name="直接箭头连接符 7"/>
-            <p:cNvCxnSpPr>
-              <a:stCxn id="4" idx="3"/>
-              <a:endCxn id="5" idx="1"/>
-            </p:cNvCxnSpPr>
-            <p:nvPr/>
-          </p:nvCxnSpPr>
-          <p:spPr>
-            <a:xfrm>
-              <a:off x="3852672" y="2633472"/>
-              <a:ext cx="957072" cy="0"/>
-            </a:xfrm>
-            <a:prstGeom prst="straightConnector1">
-              <a:avLst/>
-            </a:prstGeom>
-            <a:ln>
-              <a:headEnd type="none" w="med" len="med"/>
-              <a:tailEnd type="triangle" w="med" len="med"/>
-            </a:ln>
-          </p:spPr>
-          <p:style>
-            <a:lnRef idx="3">
-              <a:schemeClr val="dk1"/>
-            </a:lnRef>
-            <a:fillRef idx="0">
-              <a:schemeClr val="dk1"/>
-            </a:fillRef>
-            <a:effectRef idx="2">
-              <a:schemeClr val="dk1"/>
-            </a:effectRef>
-            <a:fontRef idx="minor">
-              <a:schemeClr val="tx1"/>
-            </a:fontRef>
-          </p:style>
-        </p:cxnSp>
-        <p:cxnSp>
-          <p:nvCxnSpPr>
             <p:cNvPr id="10" name="直接箭头连接符 9"/>
             <p:cNvCxnSpPr/>
             <p:nvPr/>
           </p:nvCxnSpPr>
           <p:spPr>
             <a:xfrm>
-              <a:off x="6175248" y="2382012"/>
-              <a:ext cx="957072" cy="0"/>
+              <a:off x="5559152" y="2504502"/>
+              <a:ext cx="837074" cy="0"/>
             </a:xfrm>
             <a:prstGeom prst="straightConnector1">
               <a:avLst/>
@@ -3346,9 +3473,9 @@
             <p:nvPr/>
           </p:nvCxnSpPr>
           <p:spPr>
-            <a:xfrm>
-              <a:off x="6175248" y="2892552"/>
-              <a:ext cx="957072" cy="0"/>
+            <a:xfrm flipV="1">
+              <a:off x="5559152" y="2921000"/>
+              <a:ext cx="837074" cy="1270"/>
             </a:xfrm>
             <a:prstGeom prst="straightConnector1">
               <a:avLst/>
@@ -3383,8 +3510,8 @@
           </p:nvCxnSpPr>
           <p:spPr>
             <a:xfrm rot="16200000" flipV="1">
-              <a:off x="3491484" y="181356"/>
-              <a:ext cx="536448" cy="3465576"/>
+              <a:off x="3264204" y="567480"/>
+              <a:ext cx="498939" cy="2973505"/>
             </a:xfrm>
             <a:prstGeom prst="bentConnector2">
               <a:avLst/>
@@ -3419,7 +3546,7 @@
           </p:nvCxnSpPr>
           <p:spPr>
             <a:xfrm flipH="1">
-              <a:off x="2026920" y="2633472"/>
+              <a:off x="2026920" y="2694139"/>
               <a:ext cx="460248" cy="0"/>
             </a:xfrm>
             <a:prstGeom prst="straightConnector1">
@@ -3453,8 +3580,8 @@
           </p:nvCxnSpPr>
           <p:spPr>
             <a:xfrm>
-              <a:off x="8497824" y="2378964"/>
-              <a:ext cx="957072" cy="0"/>
+              <a:off x="7513681" y="2504502"/>
+              <a:ext cx="837074" cy="0"/>
             </a:xfrm>
             <a:prstGeom prst="straightConnector1">
               <a:avLst/>
@@ -3482,15 +3609,13 @@
         <p:cxnSp>
           <p:nvCxnSpPr>
             <p:cNvPr id="17" name="直接箭头连接符 16"/>
-            <p:cNvCxnSpPr>
-              <a:endCxn id="20" idx="2"/>
-            </p:cNvCxnSpPr>
+            <p:cNvCxnSpPr/>
             <p:nvPr/>
           </p:nvCxnSpPr>
           <p:spPr>
             <a:xfrm>
-              <a:off x="8497824" y="2892552"/>
-              <a:ext cx="440436" cy="0"/>
+              <a:off x="7513681" y="2902691"/>
+              <a:ext cx="301391" cy="0"/>
             </a:xfrm>
             <a:prstGeom prst="straightConnector1">
               <a:avLst/>
@@ -3523,7 +3648,7 @@
           </p:nvSpPr>
           <p:spPr>
             <a:xfrm>
-              <a:off x="8938260" y="2806065"/>
+              <a:off x="7815072" y="2816204"/>
               <a:ext cx="172974" cy="172974"/>
             </a:xfrm>
             <a:prstGeom prst="flowChartSummingJunction">
@@ -3568,18 +3693,18 @@
             <p:cNvPr id="24" name="肘形连接符 23"/>
             <p:cNvCxnSpPr>
               <a:stCxn id="5" idx="2"/>
-              <a:endCxn id="20" idx="4"/>
             </p:cNvCxnSpPr>
             <p:nvPr/>
           </p:nvCxnSpPr>
           <p:spPr>
             <a:xfrm rot="5400000" flipH="1" flipV="1">
-              <a:off x="7205852" y="1265682"/>
-              <a:ext cx="105537" cy="3532251"/>
+              <a:off x="6406912" y="1589928"/>
+              <a:ext cx="88160" cy="2901134"/>
             </a:xfrm>
-            <a:prstGeom prst="bentConnector3">
+            <a:prstGeom prst="bentConnector4">
               <a:avLst>
-                <a:gd name="adj1" fmla="val -276774"/>
+                <a:gd name="adj1" fmla="val -411425"/>
+                <a:gd name="adj2" fmla="val 99973"/>
               </a:avLst>
             </a:prstGeom>
             <a:ln>
@@ -3612,8 +3737,8 @@
           </p:nvCxnSpPr>
           <p:spPr>
             <a:xfrm>
-              <a:off x="9111234" y="2892552"/>
-              <a:ext cx="343662" cy="0"/>
+              <a:off x="7988046" y="2902691"/>
+              <a:ext cx="362709" cy="0"/>
             </a:xfrm>
             <a:prstGeom prst="straightConnector1">
               <a:avLst/>
@@ -3638,8 +3763,8 @@
             </a:fontRef>
           </p:style>
         </p:cxnSp>
-        <mc:AlternateContent xmlns:mc="http://schemas.openxmlformats.org/markup-compatibility/2006" xmlns:a14="http://schemas.microsoft.com/office/drawing/2010/main">
-          <mc:Choice Requires="a14">
+        <mc:AlternateContent xmlns:mc="http://schemas.openxmlformats.org/markup-compatibility/2006">
+          <mc:Choice xmlns:a14="http://schemas.microsoft.com/office/drawing/2010/main" Requires="a14">
             <p:sp>
               <p:nvSpPr>
                 <p:cNvPr id="30" name="文本框 29"/>
@@ -3648,7 +3773,7 @@
               </p:nvSpPr>
               <p:spPr>
                 <a:xfrm>
-                  <a:off x="2129958" y="1368920"/>
+                  <a:off x="2129958" y="1490527"/>
                   <a:ext cx="254172" cy="276999"/>
                 </a:xfrm>
                 <a:prstGeom prst="rect">
@@ -3706,7 +3831,7 @@
               </p:txBody>
             </p:sp>
           </mc:Choice>
-          <mc:Fallback xmlns="">
+          <mc:Fallback>
             <p:sp>
               <p:nvSpPr>
                 <p:cNvPr id="30" name="文本框 29"/>
@@ -3717,7 +3842,7 @@
               </p:nvSpPr>
               <p:spPr>
                 <a:xfrm>
-                  <a:off x="2129958" y="1368920"/>
+                  <a:off x="2129958" y="1490527"/>
                   <a:ext cx="254172" cy="276999"/>
                 </a:xfrm>
                 <a:prstGeom prst="rect">
@@ -3745,8 +3870,8 @@
             </p:sp>
           </mc:Fallback>
         </mc:AlternateContent>
-        <mc:AlternateContent xmlns:mc="http://schemas.openxmlformats.org/markup-compatibility/2006" xmlns:a14="http://schemas.microsoft.com/office/drawing/2010/main">
-          <mc:Choice Requires="a14">
+        <mc:AlternateContent xmlns:mc="http://schemas.openxmlformats.org/markup-compatibility/2006">
+          <mc:Choice xmlns:a14="http://schemas.microsoft.com/office/drawing/2010/main" Requires="a14">
             <p:sp>
               <p:nvSpPr>
                 <p:cNvPr id="31" name="文本框 30"/>
@@ -3755,7 +3880,7 @@
               </p:nvSpPr>
               <p:spPr>
                 <a:xfrm>
-                  <a:off x="1882308" y="2303704"/>
+                  <a:off x="1882308" y="2389429"/>
                   <a:ext cx="579967" cy="276999"/>
                 </a:xfrm>
                 <a:prstGeom prst="rect">
@@ -3827,7 +3952,7 @@
               </p:txBody>
             </p:sp>
           </mc:Choice>
-          <mc:Fallback xmlns="">
+          <mc:Fallback>
             <p:sp>
               <p:nvSpPr>
                 <p:cNvPr id="31" name="文本框 30"/>
@@ -3838,7 +3963,7 @@
               </p:nvSpPr>
               <p:spPr>
                 <a:xfrm>
-                  <a:off x="1882308" y="2303704"/>
+                  <a:off x="1882308" y="2389429"/>
                   <a:ext cx="579967" cy="276999"/>
                 </a:xfrm>
                 <a:prstGeom prst="rect">
@@ -3866,8 +3991,8 @@
             </p:sp>
           </mc:Fallback>
         </mc:AlternateContent>
-        <mc:AlternateContent xmlns:mc="http://schemas.openxmlformats.org/markup-compatibility/2006" xmlns:a14="http://schemas.microsoft.com/office/drawing/2010/main">
-          <mc:Choice Requires="a14">
+        <mc:AlternateContent xmlns:mc="http://schemas.openxmlformats.org/markup-compatibility/2006">
+          <mc:Choice xmlns:a14="http://schemas.microsoft.com/office/drawing/2010/main" Requires="a14">
             <p:sp>
               <p:nvSpPr>
                 <p:cNvPr id="32" name="文本框 31"/>
@@ -3876,7 +4001,7 @@
               </p:nvSpPr>
               <p:spPr>
                 <a:xfrm>
-                  <a:off x="4046476" y="2303703"/>
+                  <a:off x="3790270" y="2370378"/>
                   <a:ext cx="549958" cy="276999"/>
                 </a:xfrm>
                 <a:prstGeom prst="rect">
@@ -3948,7 +4073,7 @@
               </p:txBody>
             </p:sp>
           </mc:Choice>
-          <mc:Fallback xmlns="">
+          <mc:Fallback>
             <p:sp>
               <p:nvSpPr>
                 <p:cNvPr id="32" name="文本框 31"/>
@@ -3959,7 +4084,7 @@
               </p:nvSpPr>
               <p:spPr>
                 <a:xfrm>
-                  <a:off x="4046476" y="2303703"/>
+                  <a:off x="3790270" y="2370378"/>
                   <a:ext cx="549958" cy="276999"/>
                 </a:xfrm>
                 <a:prstGeom prst="rect">
@@ -3987,8 +4112,8 @@
             </p:sp>
           </mc:Fallback>
         </mc:AlternateContent>
-        <mc:AlternateContent xmlns:mc="http://schemas.openxmlformats.org/markup-compatibility/2006" xmlns:a14="http://schemas.microsoft.com/office/drawing/2010/main">
-          <mc:Choice Requires="a14">
+        <mc:AlternateContent xmlns:mc="http://schemas.openxmlformats.org/markup-compatibility/2006">
+          <mc:Choice xmlns:a14="http://schemas.microsoft.com/office/drawing/2010/main" Requires="a14">
             <p:sp>
               <p:nvSpPr>
                 <p:cNvPr id="33" name="文本框 32"/>
@@ -3997,7 +4122,7 @@
               </p:nvSpPr>
               <p:spPr>
                 <a:xfrm>
-                  <a:off x="6489741" y="2043868"/>
+                  <a:off x="5790843" y="2197327"/>
                   <a:ext cx="373692" cy="276999"/>
                 </a:xfrm>
                 <a:prstGeom prst="rect">
@@ -4055,7 +4180,7 @@
               </p:txBody>
             </p:sp>
           </mc:Choice>
-          <mc:Fallback xmlns="">
+          <mc:Fallback>
             <p:sp>
               <p:nvSpPr>
                 <p:cNvPr id="33" name="文本框 32"/>
@@ -4066,7 +4191,7 @@
               </p:nvSpPr>
               <p:spPr>
                 <a:xfrm>
-                  <a:off x="6489741" y="2043868"/>
+                  <a:off x="5790843" y="2197327"/>
                   <a:ext cx="373692" cy="276999"/>
                 </a:xfrm>
                 <a:prstGeom prst="rect">
@@ -4094,8 +4219,8 @@
             </p:sp>
           </mc:Fallback>
         </mc:AlternateContent>
-        <mc:AlternateContent xmlns:mc="http://schemas.openxmlformats.org/markup-compatibility/2006" xmlns:a14="http://schemas.microsoft.com/office/drawing/2010/main">
-          <mc:Choice Requires="a14">
+        <mc:AlternateContent xmlns:mc="http://schemas.openxmlformats.org/markup-compatibility/2006">
+          <mc:Choice xmlns:a14="http://schemas.microsoft.com/office/drawing/2010/main" Requires="a14">
             <p:sp>
               <p:nvSpPr>
                 <p:cNvPr id="34" name="文本框 33"/>
@@ -4104,7 +4229,7 @@
               </p:nvSpPr>
               <p:spPr>
                 <a:xfrm>
-                  <a:off x="6489741" y="2572310"/>
+                  <a:off x="5873329" y="2879400"/>
                   <a:ext cx="280718" cy="276999"/>
                 </a:xfrm>
                 <a:prstGeom prst="rect">
@@ -4158,7 +4283,7 @@
               </p:txBody>
             </p:sp>
           </mc:Choice>
-          <mc:Fallback xmlns="">
+          <mc:Fallback>
             <p:sp>
               <p:nvSpPr>
                 <p:cNvPr id="34" name="文本框 33"/>
@@ -4169,7 +4294,7 @@
               </p:nvSpPr>
               <p:spPr>
                 <a:xfrm>
-                  <a:off x="6489741" y="2572310"/>
+                  <a:off x="5873329" y="2879400"/>
                   <a:ext cx="280718" cy="276999"/>
                 </a:xfrm>
                 <a:prstGeom prst="rect">
@@ -4178,7 +4303,7 @@
                 <a:blipFill rotWithShape="0">
                   <a:blip r:embed="rId6"/>
                   <a:stretch>
-                    <a:fillRect l="-13043" r="-2174" b="-11111"/>
+                    <a:fillRect l="-12766" r="-2128" b="-10870"/>
                   </a:stretch>
                 </a:blipFill>
               </p:spPr>
@@ -4197,8 +4322,8 @@
             </p:sp>
           </mc:Fallback>
         </mc:AlternateContent>
-        <mc:AlternateContent xmlns:mc="http://schemas.openxmlformats.org/markup-compatibility/2006" xmlns:a14="http://schemas.microsoft.com/office/drawing/2010/main">
-          <mc:Choice Requires="a14">
+        <mc:AlternateContent xmlns:mc="http://schemas.openxmlformats.org/markup-compatibility/2006">
+          <mc:Choice xmlns:a14="http://schemas.microsoft.com/office/drawing/2010/main" Requires="a14">
             <p:sp>
               <p:nvSpPr>
                 <p:cNvPr id="36" name="矩形 35"/>
@@ -4207,7 +4332,7 @@
               </p:nvSpPr>
               <p:spPr>
                 <a:xfrm>
-                  <a:off x="8842645" y="2043868"/>
+                  <a:off x="7786497" y="2171669"/>
                   <a:ext cx="364202" cy="369332"/>
                 </a:xfrm>
                 <a:prstGeom prst="rect">
@@ -4245,7 +4370,7 @@
               </p:txBody>
             </p:sp>
           </mc:Choice>
-          <mc:Fallback xmlns="">
+          <mc:Fallback>
             <p:sp>
               <p:nvSpPr>
                 <p:cNvPr id="36" name="矩形 35"/>
@@ -4256,7 +4381,7 @@
               </p:nvSpPr>
               <p:spPr>
                 <a:xfrm>
-                  <a:off x="8842645" y="2043868"/>
+                  <a:off x="7786497" y="2171669"/>
                   <a:ext cx="364202" cy="369332"/>
                 </a:xfrm>
                 <a:prstGeom prst="rect">
@@ -4284,8 +4409,8 @@
             </p:sp>
           </mc:Fallback>
         </mc:AlternateContent>
-        <mc:AlternateContent xmlns:mc="http://schemas.openxmlformats.org/markup-compatibility/2006" xmlns:a14="http://schemas.microsoft.com/office/drawing/2010/main">
-          <mc:Choice Requires="a14">
+        <mc:AlternateContent xmlns:mc="http://schemas.openxmlformats.org/markup-compatibility/2006">
+          <mc:Choice xmlns:a14="http://schemas.microsoft.com/office/drawing/2010/main" Requires="a14">
             <p:sp>
               <p:nvSpPr>
                 <p:cNvPr id="37" name="矩形 36"/>
@@ -4294,7 +4419,7 @@
               </p:nvSpPr>
               <p:spPr>
                 <a:xfrm>
-                  <a:off x="8535941" y="2563630"/>
+                  <a:off x="7452363" y="2895454"/>
                   <a:ext cx="385682" cy="369332"/>
                 </a:xfrm>
                 <a:prstGeom prst="rect">
@@ -4328,7 +4453,7 @@
               </p:txBody>
             </p:sp>
           </mc:Choice>
-          <mc:Fallback xmlns="">
+          <mc:Fallback>
             <p:sp>
               <p:nvSpPr>
                 <p:cNvPr id="37" name="矩形 36"/>
@@ -4339,7 +4464,7 @@
               </p:nvSpPr>
               <p:spPr>
                 <a:xfrm>
-                  <a:off x="8535941" y="2563630"/>
+                  <a:off x="7452363" y="2895454"/>
                   <a:ext cx="385682" cy="369332"/>
                 </a:xfrm>
                 <a:prstGeom prst="rect">
@@ -4367,8 +4492,8 @@
             </p:sp>
           </mc:Fallback>
         </mc:AlternateContent>
-        <mc:AlternateContent xmlns:mc="http://schemas.openxmlformats.org/markup-compatibility/2006" xmlns:a14="http://schemas.microsoft.com/office/drawing/2010/main">
-          <mc:Choice Requires="a14">
+        <mc:AlternateContent xmlns:mc="http://schemas.openxmlformats.org/markup-compatibility/2006">
+          <mc:Choice xmlns:a14="http://schemas.microsoft.com/office/drawing/2010/main" Requires="a14">
             <p:sp>
               <p:nvSpPr>
                 <p:cNvPr id="38" name="矩形 37"/>
@@ -4377,7 +4502,7 @@
               </p:nvSpPr>
               <p:spPr>
                 <a:xfrm>
-                  <a:off x="7065779" y="3390859"/>
+                  <a:off x="6252957" y="3501072"/>
                   <a:ext cx="396070" cy="369332"/>
                 </a:xfrm>
                 <a:prstGeom prst="rect">
@@ -4411,7 +4536,7 @@
               </p:txBody>
             </p:sp>
           </mc:Choice>
-          <mc:Fallback xmlns="">
+          <mc:Fallback>
             <p:sp>
               <p:nvSpPr>
                 <p:cNvPr id="38" name="矩形 37"/>
@@ -4422,7 +4547,7 @@
               </p:nvSpPr>
               <p:spPr>
                 <a:xfrm>
-                  <a:off x="7065779" y="3390859"/>
+                  <a:off x="6252957" y="3501072"/>
                   <a:ext cx="396070" cy="369332"/>
                 </a:xfrm>
                 <a:prstGeom prst="rect">
@@ -4450,8 +4575,8 @@
             </p:sp>
           </mc:Fallback>
         </mc:AlternateContent>
-        <mc:AlternateContent xmlns:mc="http://schemas.openxmlformats.org/markup-compatibility/2006" xmlns:a14="http://schemas.microsoft.com/office/drawing/2010/main">
-          <mc:Choice Requires="a14">
+        <mc:AlternateContent xmlns:mc="http://schemas.openxmlformats.org/markup-compatibility/2006">
+          <mc:Choice xmlns:a14="http://schemas.microsoft.com/office/drawing/2010/main" Requires="a14">
             <p:sp>
               <p:nvSpPr>
                 <p:cNvPr id="39" name="矩形 38"/>
@@ -4460,8 +4585,8 @@
               </p:nvSpPr>
               <p:spPr>
                 <a:xfrm>
-                  <a:off x="9127871" y="2572310"/>
-                  <a:ext cx="863506" cy="369332"/>
+                  <a:off x="7826106" y="2931547"/>
+                  <a:ext cx="636135" cy="276999"/>
                 </a:xfrm>
                 <a:prstGeom prst="rect">
                   <a:avLst/>
@@ -4481,7 +4606,7 @@
                       </m:oMathParaPr>
                       <m:oMath xmlns:m="http://schemas.openxmlformats.org/officeDocument/2006/math">
                         <m:r>
-                          <a:rPr lang="en-US" altLang="zh-CN" b="0" i="1" smtClean="0">
+                          <a:rPr lang="en-US" altLang="zh-CN" sz="1200" b="0" i="1" smtClean="0">
                             <a:latin typeface="Cambria Math" panose="02040503050406030204" pitchFamily="18" charset="0"/>
                           </a:rPr>
                           <m:t>𝑀𝐷𝐿𝑔</m:t>
@@ -4489,12 +4614,12 @@
                       </m:oMath>
                     </m:oMathPara>
                   </a14:m>
-                  <a:endParaRPr lang="zh-CN" altLang="en-US" dirty="0"/>
+                  <a:endParaRPr lang="zh-CN" altLang="en-US" sz="1200" dirty="0"/>
                 </a:p>
               </p:txBody>
             </p:sp>
           </mc:Choice>
-          <mc:Fallback xmlns="">
+          <mc:Fallback>
             <p:sp>
               <p:nvSpPr>
                 <p:cNvPr id="39" name="矩形 38"/>
@@ -4505,8 +4630,8 @@
               </p:nvSpPr>
               <p:spPr>
                 <a:xfrm>
-                  <a:off x="9127871" y="2572310"/>
-                  <a:ext cx="863506" cy="369332"/>
+                  <a:off x="7826106" y="2931547"/>
+                  <a:ext cx="636135" cy="276999"/>
                 </a:xfrm>
                 <a:prstGeom prst="rect">
                   <a:avLst/>
@@ -4514,7 +4639,199 @@
                 <a:blipFill rotWithShape="0">
                   <a:blip r:embed="rId10"/>
                   <a:stretch>
-                    <a:fillRect b="-11475"/>
+                    <a:fillRect b="-4444"/>
+                  </a:stretch>
+                </a:blipFill>
+              </p:spPr>
+              <p:txBody>
+                <a:bodyPr/>
+                <a:lstStyle/>
+                <a:p>
+                  <a:r>
+                    <a:rPr lang="zh-CN" altLang="en-US">
+                      <a:noFill/>
+                    </a:rPr>
+                    <a:t> </a:t>
+                  </a:r>
+                </a:p>
+              </p:txBody>
+            </p:sp>
+          </mc:Fallback>
+        </mc:AlternateContent>
+        <p:cxnSp>
+          <p:nvCxnSpPr>
+            <p:cNvPr id="54" name="直接箭头连接符 53"/>
+            <p:cNvCxnSpPr>
+              <a:stCxn id="4" idx="3"/>
+              <a:endCxn id="5" idx="1"/>
+            </p:cNvCxnSpPr>
+            <p:nvPr/>
+          </p:nvCxnSpPr>
+          <p:spPr>
+            <a:xfrm>
+              <a:off x="3604623" y="2694139"/>
+              <a:ext cx="837074" cy="0"/>
+            </a:xfrm>
+            <a:prstGeom prst="straightConnector1">
+              <a:avLst/>
+            </a:prstGeom>
+            <a:ln>
+              <a:headEnd type="triangle" w="med" len="med"/>
+              <a:tailEnd type="none" w="med" len="med"/>
+            </a:ln>
+          </p:spPr>
+          <p:style>
+            <a:lnRef idx="3">
+              <a:schemeClr val="dk1"/>
+            </a:lnRef>
+            <a:fillRef idx="0">
+              <a:schemeClr val="dk1"/>
+            </a:fillRef>
+            <a:effectRef idx="2">
+              <a:schemeClr val="dk1"/>
+            </a:effectRef>
+            <a:fontRef idx="minor">
+              <a:schemeClr val="tx1"/>
+            </a:fontRef>
+          </p:style>
+        </p:cxnSp>
+        <p:cxnSp>
+          <p:nvCxnSpPr>
+            <p:cNvPr id="67" name="直接箭头连接符 66"/>
+            <p:cNvCxnSpPr/>
+            <p:nvPr/>
+          </p:nvCxnSpPr>
+          <p:spPr>
+            <a:xfrm flipH="1">
+              <a:off x="9468210" y="2711752"/>
+              <a:ext cx="460248" cy="0"/>
+            </a:xfrm>
+            <a:prstGeom prst="straightConnector1">
+              <a:avLst/>
+            </a:prstGeom>
+            <a:ln>
+              <a:headEnd type="triangle" w="med" len="med"/>
+              <a:tailEnd type="none" w="med" len="med"/>
+            </a:ln>
+          </p:spPr>
+          <p:style>
+            <a:lnRef idx="3">
+              <a:schemeClr val="dk1"/>
+            </a:lnRef>
+            <a:fillRef idx="0">
+              <a:schemeClr val="dk1"/>
+            </a:fillRef>
+            <a:effectRef idx="2">
+              <a:schemeClr val="dk1"/>
+            </a:effectRef>
+            <a:fontRef idx="minor">
+              <a:schemeClr val="tx1"/>
+            </a:fontRef>
+          </p:style>
+        </p:cxnSp>
+        <mc:AlternateContent xmlns:mc="http://schemas.openxmlformats.org/markup-compatibility/2006">
+          <mc:Choice xmlns:a14="http://schemas.microsoft.com/office/drawing/2010/main" Requires="a14">
+            <p:sp>
+              <p:nvSpPr>
+                <p:cNvPr id="68" name="文本框 67"/>
+                <p:cNvSpPr txBox="1"/>
+                <p:nvPr/>
+              </p:nvSpPr>
+              <p:spPr>
+                <a:xfrm>
+                  <a:off x="9478878" y="2407651"/>
+                  <a:ext cx="579967" cy="276999"/>
+                </a:xfrm>
+                <a:prstGeom prst="rect">
+                  <a:avLst/>
+                </a:prstGeom>
+                <a:noFill/>
+              </p:spPr>
+              <p:txBody>
+                <a:bodyPr wrap="none" lIns="0" tIns="0" rIns="0" bIns="0" rtlCol="0">
+                  <a:spAutoFit/>
+                </a:bodyPr>
+                <a:lstStyle/>
+                <a:p>
+                  <a:pPr/>
+                  <a14:m>
+                    <m:oMathPara xmlns:m="http://schemas.openxmlformats.org/officeDocument/2006/math">
+                      <m:oMathParaPr>
+                        <m:jc m:val="centerGroup"/>
+                      </m:oMathParaPr>
+                      <m:oMath xmlns:m="http://schemas.openxmlformats.org/officeDocument/2006/math">
+                        <m:sSub>
+                          <m:sSubPr>
+                            <m:ctrlPr>
+                              <a:rPr lang="en-US" altLang="zh-CN" i="1" smtClean="0">
+                                <a:latin typeface="Cambria Math" panose="02040503050406030204" pitchFamily="18" charset="0"/>
+                              </a:rPr>
+                            </m:ctrlPr>
+                          </m:sSubPr>
+                          <m:e>
+                            <m:r>
+                              <a:rPr lang="en-US" altLang="zh-CN" b="0" i="1" smtClean="0">
+                                <a:latin typeface="Cambria Math" panose="02040503050406030204" pitchFamily="18" charset="0"/>
+                              </a:rPr>
+                              <m:t>𝑢</m:t>
+                            </m:r>
+                          </m:e>
+                          <m:sub>
+                            <m:r>
+                              <a:rPr lang="en-US" altLang="zh-CN" b="0" i="1" smtClean="0">
+                                <a:latin typeface="Cambria Math" panose="02040503050406030204" pitchFamily="18" charset="0"/>
+                              </a:rPr>
+                              <m:t>𝑟</m:t>
+                            </m:r>
+                          </m:sub>
+                        </m:sSub>
+                        <m:r>
+                          <a:rPr lang="en-US" altLang="zh-CN" b="0" i="1" smtClean="0">
+                            <a:latin typeface="Cambria Math" panose="02040503050406030204" pitchFamily="18" charset="0"/>
+                          </a:rPr>
+                          <m:t>(</m:t>
+                        </m:r>
+                        <m:r>
+                          <a:rPr lang="en-US" altLang="zh-CN" b="0" i="1" smtClean="0">
+                            <a:latin typeface="Cambria Math" panose="02040503050406030204" pitchFamily="18" charset="0"/>
+                          </a:rPr>
+                          <m:t>𝑡</m:t>
+                        </m:r>
+                        <m:r>
+                          <a:rPr lang="en-US" altLang="zh-CN" b="0" i="1" smtClean="0">
+                            <a:latin typeface="Cambria Math" panose="02040503050406030204" pitchFamily="18" charset="0"/>
+                          </a:rPr>
+                          <m:t>)</m:t>
+                        </m:r>
+                      </m:oMath>
+                    </m:oMathPara>
+                  </a14:m>
+                  <a:endParaRPr lang="zh-CN" altLang="en-US" dirty="0"/>
+                </a:p>
+              </p:txBody>
+            </p:sp>
+          </mc:Choice>
+          <mc:Fallback>
+            <p:sp>
+              <p:nvSpPr>
+                <p:cNvPr id="68" name="文本框 67"/>
+                <p:cNvSpPr txBox="1">
+                  <a:spLocks noRot="1" noChangeAspect="1" noMove="1" noResize="1" noEditPoints="1" noAdjustHandles="1" noChangeArrowheads="1" noChangeShapeType="1" noTextEdit="1"/>
+                </p:cNvSpPr>
+                <p:nvPr/>
+              </p:nvSpPr>
+              <p:spPr>
+                <a:xfrm>
+                  <a:off x="9478878" y="2407651"/>
+                  <a:ext cx="579967" cy="276999"/>
+                </a:xfrm>
+                <a:prstGeom prst="rect">
+                  <a:avLst/>
+                </a:prstGeom>
+                <a:blipFill rotWithShape="0">
+                  <a:blip r:embed="rId11"/>
+                  <a:stretch>
+                    <a:fillRect l="-5263" t="-2222" r="-14737" b="-35556"/>
                   </a:stretch>
                 </a:blipFill>
               </p:spPr>

--- a/计算机仿真投稿/论文作图/信号流图.pptx
+++ b/计算机仿真投稿/论文作图/信号流图.pptx
@@ -254,7 +254,7 @@
           <a:p>
             <a:fld id="{36370457-6E9F-481F-8D71-0653701FFDBC}" type="datetimeFigureOut">
               <a:rPr lang="zh-CN" altLang="en-US" smtClean="0"/>
-              <a:t>2018/3/26 Monday</a:t>
+              <a:t>3/26 Monday</a:t>
             </a:fld>
             <a:endParaRPr lang="zh-CN" altLang="en-US"/>
           </a:p>
@@ -424,7 +424,7 @@
           <a:p>
             <a:fld id="{36370457-6E9F-481F-8D71-0653701FFDBC}" type="datetimeFigureOut">
               <a:rPr lang="zh-CN" altLang="en-US" smtClean="0"/>
-              <a:t>2018/3/26 Monday</a:t>
+              <a:t>3/26 Monday</a:t>
             </a:fld>
             <a:endParaRPr lang="zh-CN" altLang="en-US"/>
           </a:p>
@@ -604,7 +604,7 @@
           <a:p>
             <a:fld id="{36370457-6E9F-481F-8D71-0653701FFDBC}" type="datetimeFigureOut">
               <a:rPr lang="zh-CN" altLang="en-US" smtClean="0"/>
-              <a:t>2018/3/26 Monday</a:t>
+              <a:t>3/26 Monday</a:t>
             </a:fld>
             <a:endParaRPr lang="zh-CN" altLang="en-US"/>
           </a:p>
@@ -774,7 +774,7 @@
           <a:p>
             <a:fld id="{36370457-6E9F-481F-8D71-0653701FFDBC}" type="datetimeFigureOut">
               <a:rPr lang="zh-CN" altLang="en-US" smtClean="0"/>
-              <a:t>2018/3/26 Monday</a:t>
+              <a:t>3/26 Monday</a:t>
             </a:fld>
             <a:endParaRPr lang="zh-CN" altLang="en-US"/>
           </a:p>
@@ -1020,7 +1020,7 @@
           <a:p>
             <a:fld id="{36370457-6E9F-481F-8D71-0653701FFDBC}" type="datetimeFigureOut">
               <a:rPr lang="zh-CN" altLang="en-US" smtClean="0"/>
-              <a:t>2018/3/26 Monday</a:t>
+              <a:t>3/26 Monday</a:t>
             </a:fld>
             <a:endParaRPr lang="zh-CN" altLang="en-US"/>
           </a:p>
@@ -1252,7 +1252,7 @@
           <a:p>
             <a:fld id="{36370457-6E9F-481F-8D71-0653701FFDBC}" type="datetimeFigureOut">
               <a:rPr lang="zh-CN" altLang="en-US" smtClean="0"/>
-              <a:t>2018/3/26 Monday</a:t>
+              <a:t>3/26 Monday</a:t>
             </a:fld>
             <a:endParaRPr lang="zh-CN" altLang="en-US"/>
           </a:p>
@@ -1619,7 +1619,7 @@
           <a:p>
             <a:fld id="{36370457-6E9F-481F-8D71-0653701FFDBC}" type="datetimeFigureOut">
               <a:rPr lang="zh-CN" altLang="en-US" smtClean="0"/>
-              <a:t>2018/3/26 Monday</a:t>
+              <a:t>3/26 Monday</a:t>
             </a:fld>
             <a:endParaRPr lang="zh-CN" altLang="en-US"/>
           </a:p>
@@ -1737,7 +1737,7 @@
           <a:p>
             <a:fld id="{36370457-6E9F-481F-8D71-0653701FFDBC}" type="datetimeFigureOut">
               <a:rPr lang="zh-CN" altLang="en-US" smtClean="0"/>
-              <a:t>2018/3/26 Monday</a:t>
+              <a:t>3/26 Monday</a:t>
             </a:fld>
             <a:endParaRPr lang="zh-CN" altLang="en-US"/>
           </a:p>
@@ -1832,7 +1832,7 @@
           <a:p>
             <a:fld id="{36370457-6E9F-481F-8D71-0653701FFDBC}" type="datetimeFigureOut">
               <a:rPr lang="zh-CN" altLang="en-US" smtClean="0"/>
-              <a:t>2018/3/26 Monday</a:t>
+              <a:t>3/26 Monday</a:t>
             </a:fld>
             <a:endParaRPr lang="zh-CN" altLang="en-US"/>
           </a:p>
@@ -2109,7 +2109,7 @@
           <a:p>
             <a:fld id="{36370457-6E9F-481F-8D71-0653701FFDBC}" type="datetimeFigureOut">
               <a:rPr lang="zh-CN" altLang="en-US" smtClean="0"/>
-              <a:t>2018/3/26 Monday</a:t>
+              <a:t>3/26 Monday</a:t>
             </a:fld>
             <a:endParaRPr lang="zh-CN" altLang="en-US"/>
           </a:p>
@@ -2362,7 +2362,7 @@
           <a:p>
             <a:fld id="{36370457-6E9F-481F-8D71-0653701FFDBC}" type="datetimeFigureOut">
               <a:rPr lang="zh-CN" altLang="en-US" smtClean="0"/>
-              <a:t>2018/3/26 Monday</a:t>
+              <a:t>3/26 Monday</a:t>
             </a:fld>
             <a:endParaRPr lang="zh-CN" altLang="en-US"/>
           </a:p>
@@ -2575,7 +2575,7 @@
           <a:p>
             <a:fld id="{36370457-6E9F-481F-8D71-0653701FFDBC}" type="datetimeFigureOut">
               <a:rPr lang="zh-CN" altLang="en-US" smtClean="0"/>
-              <a:t>2018/3/26 Monday</a:t>
+              <a:t>3/26 Monday</a:t>
             </a:fld>
             <a:endParaRPr lang="zh-CN" altLang="en-US"/>
           </a:p>
@@ -3763,8 +3763,8 @@
             </a:fontRef>
           </p:style>
         </p:cxnSp>
-        <mc:AlternateContent xmlns:mc="http://schemas.openxmlformats.org/markup-compatibility/2006">
-          <mc:Choice xmlns:a14="http://schemas.microsoft.com/office/drawing/2010/main" Requires="a14">
+        <mc:AlternateContent xmlns:mc="http://schemas.openxmlformats.org/markup-compatibility/2006" xmlns:a14="http://schemas.microsoft.com/office/drawing/2010/main">
+          <mc:Choice Requires="a14">
             <p:sp>
               <p:nvSpPr>
                 <p:cNvPr id="30" name="文本框 29"/>
@@ -3831,7 +3831,7 @@
               </p:txBody>
             </p:sp>
           </mc:Choice>
-          <mc:Fallback>
+          <mc:Fallback xmlns="">
             <p:sp>
               <p:nvSpPr>
                 <p:cNvPr id="30" name="文本框 29"/>
@@ -3870,8 +3870,8 @@
             </p:sp>
           </mc:Fallback>
         </mc:AlternateContent>
-        <mc:AlternateContent xmlns:mc="http://schemas.openxmlformats.org/markup-compatibility/2006">
-          <mc:Choice xmlns:a14="http://schemas.microsoft.com/office/drawing/2010/main" Requires="a14">
+        <mc:AlternateContent xmlns:mc="http://schemas.openxmlformats.org/markup-compatibility/2006" xmlns:a14="http://schemas.microsoft.com/office/drawing/2010/main">
+          <mc:Choice Requires="a14">
             <p:sp>
               <p:nvSpPr>
                 <p:cNvPr id="31" name="文本框 30"/>
@@ -3952,7 +3952,7 @@
               </p:txBody>
             </p:sp>
           </mc:Choice>
-          <mc:Fallback>
+          <mc:Fallback xmlns="">
             <p:sp>
               <p:nvSpPr>
                 <p:cNvPr id="31" name="文本框 30"/>
@@ -3991,8 +3991,8 @@
             </p:sp>
           </mc:Fallback>
         </mc:AlternateContent>
-        <mc:AlternateContent xmlns:mc="http://schemas.openxmlformats.org/markup-compatibility/2006">
-          <mc:Choice xmlns:a14="http://schemas.microsoft.com/office/drawing/2010/main" Requires="a14">
+        <mc:AlternateContent xmlns:mc="http://schemas.openxmlformats.org/markup-compatibility/2006" xmlns:a14="http://schemas.microsoft.com/office/drawing/2010/main">
+          <mc:Choice Requires="a14">
             <p:sp>
               <p:nvSpPr>
                 <p:cNvPr id="32" name="文本框 31"/>
@@ -4073,7 +4073,7 @@
               </p:txBody>
             </p:sp>
           </mc:Choice>
-          <mc:Fallback>
+          <mc:Fallback xmlns="">
             <p:sp>
               <p:nvSpPr>
                 <p:cNvPr id="32" name="文本框 31"/>
@@ -4112,8 +4112,8 @@
             </p:sp>
           </mc:Fallback>
         </mc:AlternateContent>
-        <mc:AlternateContent xmlns:mc="http://schemas.openxmlformats.org/markup-compatibility/2006">
-          <mc:Choice xmlns:a14="http://schemas.microsoft.com/office/drawing/2010/main" Requires="a14">
+        <mc:AlternateContent xmlns:mc="http://schemas.openxmlformats.org/markup-compatibility/2006" xmlns:a14="http://schemas.microsoft.com/office/drawing/2010/main">
+          <mc:Choice Requires="a14">
             <p:sp>
               <p:nvSpPr>
                 <p:cNvPr id="33" name="文本框 32"/>
@@ -4180,7 +4180,7 @@
               </p:txBody>
             </p:sp>
           </mc:Choice>
-          <mc:Fallback>
+          <mc:Fallback xmlns="">
             <p:sp>
               <p:nvSpPr>
                 <p:cNvPr id="33" name="文本框 32"/>
@@ -4219,8 +4219,8 @@
             </p:sp>
           </mc:Fallback>
         </mc:AlternateContent>
-        <mc:AlternateContent xmlns:mc="http://schemas.openxmlformats.org/markup-compatibility/2006">
-          <mc:Choice xmlns:a14="http://schemas.microsoft.com/office/drawing/2010/main" Requires="a14">
+        <mc:AlternateContent xmlns:mc="http://schemas.openxmlformats.org/markup-compatibility/2006" xmlns:a14="http://schemas.microsoft.com/office/drawing/2010/main">
+          <mc:Choice Requires="a14">
             <p:sp>
               <p:nvSpPr>
                 <p:cNvPr id="34" name="文本框 33"/>
@@ -4283,7 +4283,7 @@
               </p:txBody>
             </p:sp>
           </mc:Choice>
-          <mc:Fallback>
+          <mc:Fallback xmlns="">
             <p:sp>
               <p:nvSpPr>
                 <p:cNvPr id="34" name="文本框 33"/>
@@ -4322,8 +4322,8 @@
             </p:sp>
           </mc:Fallback>
         </mc:AlternateContent>
-        <mc:AlternateContent xmlns:mc="http://schemas.openxmlformats.org/markup-compatibility/2006">
-          <mc:Choice xmlns:a14="http://schemas.microsoft.com/office/drawing/2010/main" Requires="a14">
+        <mc:AlternateContent xmlns:mc="http://schemas.openxmlformats.org/markup-compatibility/2006" xmlns:a14="http://schemas.microsoft.com/office/drawing/2010/main">
+          <mc:Choice Requires="a14">
             <p:sp>
               <p:nvSpPr>
                 <p:cNvPr id="36" name="矩形 35"/>
@@ -4370,7 +4370,7 @@
               </p:txBody>
             </p:sp>
           </mc:Choice>
-          <mc:Fallback>
+          <mc:Fallback xmlns="">
             <p:sp>
               <p:nvSpPr>
                 <p:cNvPr id="36" name="矩形 35"/>
@@ -4409,8 +4409,8 @@
             </p:sp>
           </mc:Fallback>
         </mc:AlternateContent>
-        <mc:AlternateContent xmlns:mc="http://schemas.openxmlformats.org/markup-compatibility/2006">
-          <mc:Choice xmlns:a14="http://schemas.microsoft.com/office/drawing/2010/main" Requires="a14">
+        <mc:AlternateContent xmlns:mc="http://schemas.openxmlformats.org/markup-compatibility/2006" xmlns:a14="http://schemas.microsoft.com/office/drawing/2010/main">
+          <mc:Choice Requires="a14">
             <p:sp>
               <p:nvSpPr>
                 <p:cNvPr id="37" name="矩形 36"/>
@@ -4453,7 +4453,7 @@
               </p:txBody>
             </p:sp>
           </mc:Choice>
-          <mc:Fallback>
+          <mc:Fallback xmlns="">
             <p:sp>
               <p:nvSpPr>
                 <p:cNvPr id="37" name="矩形 36"/>
@@ -4503,7 +4503,7 @@
               <p:spPr>
                 <a:xfrm>
                   <a:off x="6252957" y="3501072"/>
-                  <a:ext cx="396070" cy="369332"/>
+                  <a:ext cx="384016" cy="369332"/>
                 </a:xfrm>
                 <a:prstGeom prst="rect">
                   <a:avLst/>
@@ -4523,10 +4523,10 @@
                       </m:oMathParaPr>
                       <m:oMath xmlns:m="http://schemas.openxmlformats.org/officeDocument/2006/math">
                         <m:r>
-                          <a:rPr lang="en-US" altLang="zh-CN" b="0" i="1" smtClean="0">
+                          <a:rPr lang="zh-CN" altLang="en-US" i="1" smtClean="0">
                             <a:latin typeface="Cambria Math" panose="02040503050406030204" pitchFamily="18" charset="0"/>
                           </a:rPr>
-                          <m:t>𝐵</m:t>
+                          <m:t>𝛽</m:t>
                         </m:r>
                       </m:oMath>
                     </m:oMathPara>
@@ -4548,7 +4548,7 @@
               <p:spPr>
                 <a:xfrm>
                   <a:off x="6252957" y="3501072"/>
-                  <a:ext cx="396070" cy="369332"/>
+                  <a:ext cx="384016" cy="369332"/>
                 </a:xfrm>
                 <a:prstGeom prst="rect">
                   <a:avLst/>
@@ -4556,7 +4556,7 @@
                 <a:blipFill rotWithShape="0">
                   <a:blip r:embed="rId9"/>
                   <a:stretch>
-                    <a:fillRect/>
+                    <a:fillRect b="-13115"/>
                   </a:stretch>
                 </a:blipFill>
               </p:spPr>
@@ -4575,8 +4575,8 @@
             </p:sp>
           </mc:Fallback>
         </mc:AlternateContent>
-        <mc:AlternateContent xmlns:mc="http://schemas.openxmlformats.org/markup-compatibility/2006">
-          <mc:Choice xmlns:a14="http://schemas.microsoft.com/office/drawing/2010/main" Requires="a14">
+        <mc:AlternateContent xmlns:mc="http://schemas.openxmlformats.org/markup-compatibility/2006" xmlns:a14="http://schemas.microsoft.com/office/drawing/2010/main">
+          <mc:Choice Requires="a14">
             <p:sp>
               <p:nvSpPr>
                 <p:cNvPr id="39" name="矩形 38"/>
@@ -4619,7 +4619,7 @@
               </p:txBody>
             </p:sp>
           </mc:Choice>
-          <mc:Fallback>
+          <mc:Fallback xmlns="">
             <p:sp>
               <p:nvSpPr>
                 <p:cNvPr id="39" name="矩形 38"/>
@@ -4729,8 +4729,8 @@
             </a:fontRef>
           </p:style>
         </p:cxnSp>
-        <mc:AlternateContent xmlns:mc="http://schemas.openxmlformats.org/markup-compatibility/2006">
-          <mc:Choice xmlns:a14="http://schemas.microsoft.com/office/drawing/2010/main" Requires="a14">
+        <mc:AlternateContent xmlns:mc="http://schemas.openxmlformats.org/markup-compatibility/2006" xmlns:a14="http://schemas.microsoft.com/office/drawing/2010/main">
+          <mc:Choice Requires="a14">
             <p:sp>
               <p:nvSpPr>
                 <p:cNvPr id="68" name="文本框 67"/>
@@ -4811,7 +4811,7 @@
               </p:txBody>
             </p:sp>
           </mc:Choice>
-          <mc:Fallback>
+          <mc:Fallback xmlns="">
             <p:sp>
               <p:nvSpPr>
                 <p:cNvPr id="68" name="文本框 67"/>
